--- a/Presentations/Lesson 01 First Steps in Coding.pptx
+++ b/Presentations/Lesson 01 First Steps in Coding.pptx
@@ -300,6 +300,11 @@
       </a:defRPr>
     </a:lvl9pPr>
   </p:defaultTextStyle>
+  <p:extLst>
+    <p:ext uri="{EFAFB233-063F-42B5-8137-9DF3F51BA10A}">
+      <p15:sldGuideLst xmlns:p15="http://schemas.microsoft.com/office/powerpoint/2012/main"/>
+    </p:ext>
+  </p:extLst>
 </p:presentation>
 </file>
 
@@ -19911,7 +19916,7 @@
               <a:buNone/>
             </a:pPr>
             <a:r>
-              <a:rPr lang="en-US" sz="2600" b="1" i="0" u="none" strike="noStrike" cap="none">
+              <a:rPr lang="en-US" sz="2600" b="1" i="0" u="none" strike="noStrike" cap="none" dirty="0" err="1">
                 <a:solidFill>
                   <a:srgbClr val="FBEEDC"/>
                 </a:solidFill>
@@ -19920,9 +19925,21 @@
                 <a:cs typeface="Consolas"/>
                 <a:sym typeface="Consolas"/>
               </a:rPr>
-              <a:t>Console.Beep(432, 500);</a:t>
+              <a:t>Console.Beep</a:t>
             </a:r>
-            <a:endParaRPr sz="2600" b="1" i="0" u="none" strike="noStrike" cap="none">
+            <a:r>
+              <a:rPr lang="en-US" sz="2600" b="1" i="0" u="none" strike="noStrike" cap="none" dirty="0">
+                <a:solidFill>
+                  <a:srgbClr val="FBEEDC"/>
+                </a:solidFill>
+                <a:latin typeface="Consolas"/>
+                <a:ea typeface="Consolas"/>
+                <a:cs typeface="Consolas"/>
+                <a:sym typeface="Consolas"/>
+              </a:rPr>
+              <a:t>(432, 500);</a:t>
+            </a:r>
+            <a:endParaRPr sz="2600" b="1" i="0" u="none" strike="noStrike" cap="none" dirty="0">
               <a:solidFill>
                 <a:srgbClr val="FBEEDC"/>
               </a:solidFill>
@@ -19979,7 +19996,7 @@
               <a:buNone/>
             </a:pPr>
             <a:r>
-              <a:rPr lang="en-US" sz="2600" b="1" i="0" u="none" strike="noStrike" cap="none">
+              <a:rPr lang="en-US" sz="2600" b="1" i="0" u="none" strike="noStrike" cap="none" dirty="0">
                 <a:solidFill>
                   <a:srgbClr val="FBEEDC"/>
                 </a:solidFill>
@@ -19988,22 +20005,10 @@
                 <a:cs typeface="Consolas"/>
                 <a:sym typeface="Consolas"/>
               </a:rPr>
-              <a:t>for (int i = 200; i &lt;= 4000; i += 200)</a:t>
+              <a:t>for (int </a:t>
             </a:r>
-            <a:endParaRPr/>
-          </a:p>
-          <a:p>
-            <a:pPr marL="0" marR="0" lvl="0" indent="0" algn="l" rtl="0">
-              <a:spcBef>
-                <a:spcPts val="0"/>
-              </a:spcBef>
-              <a:spcAft>
-                <a:spcPts val="0"/>
-              </a:spcAft>
-              <a:buNone/>
-            </a:pPr>
             <a:r>
-              <a:rPr lang="en-US" sz="2600" b="1" i="0" u="none" strike="noStrike" cap="none">
+              <a:rPr lang="en-US" sz="2600" b="1" i="0" u="none" strike="noStrike" cap="none" dirty="0" err="1">
                 <a:solidFill>
                   <a:srgbClr val="FBEEDC"/>
                 </a:solidFill>
@@ -20012,9 +20017,141 @@
                 <a:cs typeface="Consolas"/>
                 <a:sym typeface="Consolas"/>
               </a:rPr>
-              <a:t>   Console.Beep(i, 100);</a:t>
+              <a:t>i</a:t>
             </a:r>
-            <a:endParaRPr/>
+            <a:r>
+              <a:rPr lang="en-US" sz="2600" b="1" i="0" u="none" strike="noStrike" cap="none" dirty="0">
+                <a:solidFill>
+                  <a:srgbClr val="FBEEDC"/>
+                </a:solidFill>
+                <a:latin typeface="Consolas"/>
+                <a:ea typeface="Consolas"/>
+                <a:cs typeface="Consolas"/>
+                <a:sym typeface="Consolas"/>
+              </a:rPr>
+              <a:t> = 200; </a:t>
+            </a:r>
+            <a:r>
+              <a:rPr lang="en-US" sz="2600" b="1" i="0" u="none" strike="noStrike" cap="none" dirty="0" err="1">
+                <a:solidFill>
+                  <a:srgbClr val="FBEEDC"/>
+                </a:solidFill>
+                <a:latin typeface="Consolas"/>
+                <a:ea typeface="Consolas"/>
+                <a:cs typeface="Consolas"/>
+                <a:sym typeface="Consolas"/>
+              </a:rPr>
+              <a:t>i</a:t>
+            </a:r>
+            <a:r>
+              <a:rPr lang="en-US" sz="2600" b="1" i="0" u="none" strike="noStrike" cap="none" dirty="0">
+                <a:solidFill>
+                  <a:srgbClr val="FBEEDC"/>
+                </a:solidFill>
+                <a:latin typeface="Consolas"/>
+                <a:ea typeface="Consolas"/>
+                <a:cs typeface="Consolas"/>
+                <a:sym typeface="Consolas"/>
+              </a:rPr>
+              <a:t> &lt;= 4000; </a:t>
+            </a:r>
+            <a:r>
+              <a:rPr lang="en-US" sz="2600" b="1" i="0" u="none" strike="noStrike" cap="none" dirty="0" err="1">
+                <a:solidFill>
+                  <a:srgbClr val="FBEEDC"/>
+                </a:solidFill>
+                <a:latin typeface="Consolas"/>
+                <a:ea typeface="Consolas"/>
+                <a:cs typeface="Consolas"/>
+                <a:sym typeface="Consolas"/>
+              </a:rPr>
+              <a:t>i</a:t>
+            </a:r>
+            <a:r>
+              <a:rPr lang="en-US" sz="2600" b="1" i="0" u="none" strike="noStrike" cap="none" dirty="0">
+                <a:solidFill>
+                  <a:srgbClr val="FBEEDC"/>
+                </a:solidFill>
+                <a:latin typeface="Consolas"/>
+                <a:ea typeface="Consolas"/>
+                <a:cs typeface="Consolas"/>
+                <a:sym typeface="Consolas"/>
+              </a:rPr>
+              <a:t> += 200)</a:t>
+            </a:r>
+            <a:endParaRPr dirty="0"/>
+          </a:p>
+          <a:p>
+            <a:pPr marL="0" marR="0" lvl="0" indent="0" algn="l" rtl="0">
+              <a:spcBef>
+                <a:spcPts val="0"/>
+              </a:spcBef>
+              <a:spcAft>
+                <a:spcPts val="0"/>
+              </a:spcAft>
+              <a:buNone/>
+            </a:pPr>
+            <a:r>
+              <a:rPr lang="en-US" sz="2600" b="1" i="0" u="none" strike="noStrike" cap="none" dirty="0">
+                <a:solidFill>
+                  <a:srgbClr val="FBEEDC"/>
+                </a:solidFill>
+                <a:latin typeface="Consolas"/>
+                <a:ea typeface="Consolas"/>
+                <a:cs typeface="Consolas"/>
+                <a:sym typeface="Consolas"/>
+              </a:rPr>
+              <a:t>   </a:t>
+            </a:r>
+            <a:r>
+              <a:rPr lang="en-US" sz="2600" b="1" i="0" u="none" strike="noStrike" cap="none" dirty="0" err="1">
+                <a:solidFill>
+                  <a:srgbClr val="FBEEDC"/>
+                </a:solidFill>
+                <a:latin typeface="Consolas"/>
+                <a:ea typeface="Consolas"/>
+                <a:cs typeface="Consolas"/>
+                <a:sym typeface="Consolas"/>
+              </a:rPr>
+              <a:t>Console.Beep</a:t>
+            </a:r>
+            <a:r>
+              <a:rPr lang="en-US" sz="2600" b="1" i="0" u="none" strike="noStrike" cap="none" dirty="0">
+                <a:solidFill>
+                  <a:srgbClr val="FBEEDC"/>
+                </a:solidFill>
+                <a:latin typeface="Consolas"/>
+                <a:ea typeface="Consolas"/>
+                <a:cs typeface="Consolas"/>
+                <a:sym typeface="Consolas"/>
+              </a:rPr>
+              <a:t>(</a:t>
+            </a:r>
+            <a:r>
+              <a:rPr lang="en-US" sz="2600" b="1" i="0" u="none" strike="noStrike" cap="none" dirty="0" err="1">
+                <a:solidFill>
+                  <a:srgbClr val="FBEEDC"/>
+                </a:solidFill>
+                <a:latin typeface="Consolas"/>
+                <a:ea typeface="Consolas"/>
+                <a:cs typeface="Consolas"/>
+                <a:sym typeface="Consolas"/>
+              </a:rPr>
+              <a:t>i</a:t>
+            </a:r>
+            <a:r>
+              <a:rPr lang="en-US" sz="2600" b="1" i="0" u="none" strike="noStrike" cap="none" dirty="0">
+                <a:solidFill>
+                  <a:srgbClr val="FBEEDC"/>
+                </a:solidFill>
+                <a:latin typeface="Consolas"/>
+                <a:ea typeface="Consolas"/>
+                <a:cs typeface="Consolas"/>
+                <a:sym typeface="Consolas"/>
+              </a:rPr>
+              <a:t>, 100);</a:t>
+            </a:r>
+            <a:endParaRPr dirty="0"/>
           </a:p>
         </p:txBody>
       </p:sp>
@@ -20063,7 +20200,7 @@
               <a:buNone/>
             </a:pPr>
             <a:r>
-              <a:rPr lang="en-US" sz="2600" b="1" i="0" u="none" strike="noStrike" cap="none">
+              <a:rPr lang="en-US" sz="2600" b="1" i="0" u="none" strike="noStrike" cap="none" dirty="0">
                 <a:solidFill>
                   <a:srgbClr val="FBEEDC"/>
                 </a:solidFill>
@@ -20072,9 +20209,57 @@
                 <a:cs typeface="Consolas"/>
                 <a:sym typeface="Consolas"/>
               </a:rPr>
-              <a:t>var leva = int.Parse(Console.ReadLine());</a:t>
+              <a:t>var leva = </a:t>
             </a:r>
-            <a:endParaRPr/>
+            <a:r>
+              <a:rPr lang="en-US" sz="2600" b="1" i="0" u="none" strike="noStrike" cap="none" dirty="0" err="1">
+                <a:solidFill>
+                  <a:srgbClr val="FBEEDC"/>
+                </a:solidFill>
+                <a:latin typeface="Consolas"/>
+                <a:ea typeface="Consolas"/>
+                <a:cs typeface="Consolas"/>
+                <a:sym typeface="Consolas"/>
+              </a:rPr>
+              <a:t>int.Parse</a:t>
+            </a:r>
+            <a:r>
+              <a:rPr lang="en-US" sz="2600" b="1" i="0" u="none" strike="noStrike" cap="none" dirty="0">
+                <a:solidFill>
+                  <a:srgbClr val="FBEEDC"/>
+                </a:solidFill>
+                <a:latin typeface="Consolas"/>
+                <a:ea typeface="Consolas"/>
+                <a:cs typeface="Consolas"/>
+                <a:sym typeface="Consolas"/>
+              </a:rPr>
+              <a:t>(</a:t>
+            </a:r>
+            <a:r>
+              <a:rPr lang="en-US" sz="2600" b="1" i="0" u="none" strike="noStrike" cap="none" dirty="0" err="1">
+                <a:solidFill>
+                  <a:srgbClr val="FBEEDC"/>
+                </a:solidFill>
+                <a:latin typeface="Consolas"/>
+                <a:ea typeface="Consolas"/>
+                <a:cs typeface="Consolas"/>
+                <a:sym typeface="Consolas"/>
+              </a:rPr>
+              <a:t>Console.ReadLine</a:t>
+            </a:r>
+            <a:r>
+              <a:rPr lang="en-US" sz="2600" b="1" i="0" u="none" strike="noStrike" cap="none" dirty="0">
+                <a:solidFill>
+                  <a:srgbClr val="FBEEDC"/>
+                </a:solidFill>
+                <a:latin typeface="Consolas"/>
+                <a:ea typeface="Consolas"/>
+                <a:cs typeface="Consolas"/>
+                <a:sym typeface="Consolas"/>
+              </a:rPr>
+              <a:t>());</a:t>
+            </a:r>
+            <a:endParaRPr dirty="0"/>
           </a:p>
           <a:p>
             <a:pPr marL="0" marR="0" lvl="0" indent="0" algn="l" rtl="0">
@@ -20087,7 +20272,7 @@
               <a:buNone/>
             </a:pPr>
             <a:r>
-              <a:rPr lang="en-US" sz="2600" b="1" i="0" u="none" strike="noStrike" cap="none">
+              <a:rPr lang="en-US" sz="2600" b="1" i="0" u="none" strike="noStrike" cap="none" dirty="0">
                 <a:solidFill>
                   <a:srgbClr val="FBEEDC"/>
                 </a:solidFill>
@@ -20098,7 +20283,7 @@
               </a:rPr>
               <a:t>var euro = leva / 1.95583;</a:t>
             </a:r>
-            <a:endParaRPr/>
+            <a:endParaRPr dirty="0"/>
           </a:p>
           <a:p>
             <a:pPr marL="0" marR="0" lvl="0" indent="0" algn="l" rtl="0">
@@ -20111,7 +20296,7 @@
               <a:buNone/>
             </a:pPr>
             <a:r>
-              <a:rPr lang="en-US" sz="2600" b="1" i="0" u="none" strike="noStrike" cap="none">
+              <a:rPr lang="en-US" sz="2600" b="1" i="0" u="none" strike="noStrike" cap="none" dirty="0" err="1">
                 <a:solidFill>
                   <a:srgbClr val="FBEEDC"/>
                 </a:solidFill>
@@ -20120,9 +20305,21 @@
                 <a:cs typeface="Consolas"/>
                 <a:sym typeface="Consolas"/>
               </a:rPr>
-              <a:t>Console.WriteLine(euro);</a:t>
+              <a:t>Console.WriteLine</a:t>
             </a:r>
-            <a:endParaRPr/>
+            <a:r>
+              <a:rPr lang="en-US" sz="2600" b="1" i="0" u="none" strike="noStrike" cap="none" dirty="0">
+                <a:solidFill>
+                  <a:srgbClr val="FBEEDC"/>
+                </a:solidFill>
+                <a:latin typeface="Consolas"/>
+                <a:ea typeface="Consolas"/>
+                <a:cs typeface="Consolas"/>
+                <a:sym typeface="Consolas"/>
+              </a:rPr>
+              <a:t>(euro);</a:t>
+            </a:r>
+            <a:endParaRPr dirty="0"/>
           </a:p>
         </p:txBody>
       </p:sp>
@@ -20749,7 +20946,7 @@
               <a:buChar char="•"/>
             </a:pPr>
             <a:r>
-              <a:rPr lang="en-US" sz="2600" b="0" i="0" u="none" strike="noStrike" cap="none">
+              <a:rPr lang="en-US" sz="2600" b="0" i="0" u="none" strike="noStrike" cap="none" dirty="0">
                 <a:solidFill>
                   <a:srgbClr val="D8D8D8"/>
                 </a:solidFill>
@@ -20761,7 +20958,7 @@
               <a:t>In order to be able to develop you will need </a:t>
             </a:r>
             <a:r>
-              <a:rPr lang="en-US" sz="2600" b="0" i="0" u="none" strike="noStrike" cap="none">
+              <a:rPr lang="en-US" sz="2600" b="0" i="0" u="none" strike="noStrike" cap="none" dirty="0">
                 <a:solidFill>
                   <a:schemeClr val="accent2"/>
                 </a:solidFill>
@@ -20772,7 +20969,7 @@
               </a:rPr>
               <a:t>working environment</a:t>
             </a:r>
-            <a:endParaRPr sz="2600"/>
+            <a:endParaRPr sz="2600" dirty="0"/>
           </a:p>
           <a:p>
             <a:pPr marL="594360" marR="0" lvl="1" indent="-266700" algn="l" rtl="0">
@@ -20793,7 +20990,7 @@
               <a:buChar char="•"/>
             </a:pPr>
             <a:r>
-              <a:rPr lang="en-US" sz="2400" b="0" i="0" u="none" strike="noStrike" cap="none">
+              <a:rPr lang="en-US" sz="2400" b="0" i="0" u="none" strike="noStrike" cap="none" dirty="0">
                 <a:solidFill>
                   <a:srgbClr val="D8D8D8"/>
                 </a:solidFill>
@@ -20805,7 +21002,7 @@
               <a:t>Integrated Development Environment (</a:t>
             </a:r>
             <a:r>
-              <a:rPr lang="en-US" sz="2400" b="1" i="0" u="none" strike="noStrike" cap="none">
+              <a:rPr lang="en-US" sz="2400" b="1" i="0" u="none" strike="noStrike" cap="none" dirty="0">
                 <a:solidFill>
                   <a:srgbClr val="A5A5A5"/>
                 </a:solidFill>
@@ -20817,7 +21014,7 @@
               <a:t>IDE</a:t>
             </a:r>
             <a:r>
-              <a:rPr lang="en-US" sz="2400" b="0" i="0" u="none" strike="noStrike" cap="none">
+              <a:rPr lang="en-US" sz="2400" b="0" i="0" u="none" strike="noStrike" cap="none" dirty="0">
                 <a:solidFill>
                   <a:srgbClr val="D8D8D8"/>
                 </a:solidFill>
@@ -20828,7 +21025,7 @@
               </a:rPr>
               <a:t>)</a:t>
             </a:r>
-            <a:endParaRPr sz="2400"/>
+            <a:endParaRPr sz="2400" dirty="0"/>
           </a:p>
           <a:p>
             <a:pPr marL="594360" marR="0" lvl="1" indent="-266700" algn="l" rtl="0">
@@ -20849,7 +21046,7 @@
               <a:buChar char="•"/>
             </a:pPr>
             <a:r>
-              <a:rPr lang="en-US" sz="2400" b="0" i="0" u="none" strike="noStrike" cap="none">
+              <a:rPr lang="en-US" sz="2400" b="0" i="0" u="none" strike="noStrike" cap="none" dirty="0">
                 <a:solidFill>
                   <a:srgbClr val="D8D8D8"/>
                 </a:solidFill>
@@ -20860,7 +21057,7 @@
               </a:rPr>
               <a:t>For C# → Visual Studio; for Java → Eclipse; for PHP → PHP Storm</a:t>
             </a:r>
-            <a:endParaRPr sz="2400" b="0" i="0" u="none" strike="noStrike" cap="none">
+            <a:endParaRPr sz="2400" b="0" i="0" u="none" strike="noStrike" cap="none" dirty="0">
               <a:solidFill>
                 <a:srgbClr val="D8D8D8"/>
               </a:solidFill>
@@ -20889,7 +21086,7 @@
               <a:buChar char="•"/>
             </a:pPr>
             <a:r>
-              <a:rPr lang="en-US" sz="2600" b="0" i="0" u="none" strike="noStrike" cap="none">
+              <a:rPr lang="en-US" sz="2600" b="0" i="0" u="none" strike="noStrike" cap="none" dirty="0">
                 <a:solidFill>
                   <a:srgbClr val="D8D8D8"/>
                 </a:solidFill>
@@ -20901,7 +21098,7 @@
               <a:t>Install </a:t>
             </a:r>
             <a:r>
-              <a:rPr lang="en-US" sz="2600" b="1" i="0" u="none" strike="noStrike" cap="none">
+              <a:rPr lang="en-US" sz="2600" b="1" i="0" u="none" strike="noStrike" cap="none" dirty="0">
                 <a:solidFill>
                   <a:srgbClr val="A5A5A5"/>
                 </a:solidFill>
@@ -20925,10 +21122,18 @@
               <a:t>Community 201</a:t>
             </a:r>
             <a:r>
-              <a:rPr lang="en-US" sz="2600"/>
-              <a:t>7</a:t>
+              <a:rPr lang="en-US" sz="2600" b="0" i="0" u="none" strike="noStrike" cap="none" dirty="0">
+                <a:solidFill>
+                  <a:srgbClr val="D8D8D8"/>
+                </a:solidFill>
+                <a:latin typeface="Candara"/>
+                <a:ea typeface="Candara"/>
+                <a:cs typeface="Candara"/>
+                <a:sym typeface="Candara"/>
+              </a:rPr>
+              <a:t>9</a:t>
             </a:r>
-            <a:endParaRPr sz="2600"/>
+            <a:endParaRPr sz="2600" dirty="0"/>
           </a:p>
           <a:p>
             <a:pPr marL="594360" marR="0" lvl="1" indent="-266700" algn="l" rtl="0">
@@ -20949,7 +21154,7 @@
               <a:buChar char="•"/>
             </a:pPr>
             <a:r>
-              <a:rPr lang="en-US" sz="2400" u="sng">
+              <a:rPr lang="en-US" sz="2400" u="sng" dirty="0">
                 <a:solidFill>
                   <a:schemeClr val="hlink"/>
                 </a:solidFill>
@@ -20958,10 +21163,10 @@
               <a:t>https://visualstudio.microsoft.com/vs/community/</a:t>
             </a:r>
             <a:r>
-              <a:rPr lang="en-US" sz="2400"/>
+              <a:rPr lang="en-US" sz="2400" dirty="0"/>
               <a:t> </a:t>
             </a:r>
-            <a:endParaRPr sz="2400" b="0" i="0" u="none" strike="noStrike" cap="none">
+            <a:endParaRPr sz="2400" b="0" i="0" u="none" strike="noStrike" cap="none" dirty="0">
               <a:solidFill>
                 <a:srgbClr val="D8D8D8"/>
               </a:solidFill>
@@ -20990,7 +21195,7 @@
               <a:buChar char="•"/>
             </a:pPr>
             <a:r>
-              <a:rPr lang="en-US" sz="2400" b="0" i="0" u="none" strike="noStrike" cap="none">
+              <a:rPr lang="en-US" sz="2400" b="0" i="0" u="none" strike="noStrike" cap="none" dirty="0">
                 <a:solidFill>
                   <a:srgbClr val="D8D8D8"/>
                 </a:solidFill>
@@ -21001,7 +21206,7 @@
               </a:rPr>
               <a:t>Could be any older version of Visual Studio</a:t>
             </a:r>
-            <a:endParaRPr sz="2400" b="0" i="0" u="none" strike="noStrike" cap="none">
+            <a:endParaRPr sz="2400" b="0" i="0" u="none" strike="noStrike" cap="none" dirty="0">
               <a:solidFill>
                 <a:srgbClr val="D8D8D8"/>
               </a:solidFill>
@@ -21024,7 +21229,7 @@
               </a:spcAft>
               <a:buNone/>
             </a:pPr>
-            <a:endParaRPr sz="2600" b="0" i="0" u="none" strike="noStrike" cap="none">
+            <a:endParaRPr sz="2600" b="0" i="0" u="none" strike="noStrike" cap="none" dirty="0">
               <a:solidFill>
                 <a:srgbClr val="D8D8D8"/>
               </a:solidFill>
@@ -21052,7 +21257,7 @@
               <a:buFont typeface="Arial"/>
               <a:buNone/>
             </a:pPr>
-            <a:endParaRPr sz="2600" b="0" i="0" u="none" strike="noStrike" cap="none">
+            <a:endParaRPr sz="2600" b="0" i="0" u="none" strike="noStrike" cap="none" dirty="0">
               <a:solidFill>
                 <a:srgbClr val="D8D8D8"/>
               </a:solidFill>
